--- a/05-regressiones.pptx
+++ b/05-regressiones.pptx
@@ -5,7 +5,7 @@
     <p:sldMasterId id="2147483648" r:id="rId1"/>
   </p:sldMasterIdLst>
   <p:notesMasterIdLst>
-    <p:NotesMasterId r:id="rId7"/>
+    <p:NotesMasterId r:id="rId9"/>
   </p:notesMasterIdLst>
   <p:sldIdLst>
     <p:sldId id="256" r:id="rId2"/>
@@ -13,6 +13,8 @@
     <p:sldId id="258" r:id="rId4"/>
     <p:sldId id="259" r:id="rId5"/>
     <p:sldId id="260" r:id="rId6"/>
+    <p:sldId id="261" r:id="rId7"/>
+    <p:sldId id="262" r:id="rId8"/>
   </p:sldIdLst>
   <p:sldSz cx="12192000" cy="6858000"/>
   <p:notesSz cx="6858000" cy="9144000"/>
@@ -624,7 +626,7 @@
               <a:t> </a:t>
             </a:r>
             <a:r>
-              <a:rPr i="1"/>
+              <a:rPr/>
               <a:t>mucha</a:t>
             </a:r>
             <a:r>
@@ -1353,7 +1355,1021 @@
           <a:p>
             <a:fld id="{18BDFEC3-8487-43E8-A154-7C12CBC1FFF2}" type="slidenum">
               <a:rPr lang="en-US"/>
+              <a:t>4</a:t>
+            </a:fld>
+            <a:endParaRPr lang="en-US"/>
+          </a:p>
+        </p:txBody>
+      </p:sp>
+    </p:spTree>
+  </p:cSld>
+</p:notes>
+</file>
+
+<file path=ppt/notesSlides/notesSlide3.xml><?xml version="1.0" encoding="utf-8"?>
+<p:notes xmlns:a="http://schemas.openxmlformats.org/drawingml/2006/main" xmlns:r="http://schemas.openxmlformats.org/officeDocument/2006/relationships" xmlns:p="http://schemas.openxmlformats.org/presentationml/2006/main">
+  <p:cSld>
+    <p:spTree>
+      <p:nvGrpSpPr>
+        <p:cNvPr id="1" name=""/>
+        <p:cNvGrpSpPr/>
+        <p:nvPr/>
+      </p:nvGrpSpPr>
+      <p:grpSpPr>
+        <a:xfrm>
+          <a:off x="0" y="0"/>
+          <a:ext cx="0" cy="0"/>
+          <a:chOff x="0" y="0"/>
+          <a:chExt cx="0" cy="0"/>
+        </a:xfrm>
+      </p:grpSpPr>
+      <p:sp>
+        <p:nvSpPr>
+          <p:cNvPr id="2" name="Slide Image Placeholder 1"/>
+          <p:cNvSpPr>
+            <a:spLocks noGrp="1" noRot="1" noChangeAspect="1"/>
+          </p:cNvSpPr>
+          <p:nvPr>
+            <p:ph type="sldImg"/>
+          </p:nvPr>
+        </p:nvSpPr>
+        <p:spPr/>
+      </p:sp>
+      <p:sp>
+        <p:nvSpPr>
+          <p:cNvPr id="3" name="Notes Placeholder 2"/>
+          <p:cNvSpPr>
+            <a:spLocks noGrp="1"/>
+          </p:cNvSpPr>
+          <p:nvPr>
+            <p:ph type="body" idx="1"/>
+          </p:nvPr>
+        </p:nvSpPr>
+        <p:spPr/>
+        <p:txBody>
+          <a:bodyPr/>
+          <a:lstStyle/>
+          <a:p>
+            <a:pPr lvl="0" marL="0" indent="0">
+              <a:buNone/>
+            </a:pPr>
+            <a:r>
+              <a:rPr/>
+              <a:t>Hay</a:t>
+            </a:r>
+            <a:r>
+              <a:rPr/>
+              <a:t> </a:t>
+            </a:r>
+            <a:r>
+              <a:rPr/>
+              <a:t>algunas</a:t>
+            </a:r>
+            <a:r>
+              <a:rPr/>
+              <a:t> </a:t>
+            </a:r>
+            <a:r>
+              <a:rPr/>
+              <a:t>diferencias.</a:t>
+            </a:r>
+            <a:r>
+              <a:rPr/>
+              <a:t> </a:t>
+            </a:r>
+            <a:r>
+              <a:rPr/>
+              <a:t>La</a:t>
+            </a:r>
+            <a:r>
+              <a:rPr/>
+              <a:t> </a:t>
+            </a:r>
+            <a:r>
+              <a:rPr/>
+              <a:t>relación</a:t>
+            </a:r>
+            <a:r>
+              <a:rPr/>
+              <a:t> </a:t>
+            </a:r>
+            <a:r>
+              <a:rPr/>
+              <a:t>se</a:t>
+            </a:r>
+            <a:r>
+              <a:rPr/>
+              <a:t> </a:t>
+            </a:r>
+            <a:r>
+              <a:rPr/>
+              <a:t>da</a:t>
+            </a:r>
+            <a:r>
+              <a:rPr/>
+              <a:t> </a:t>
+            </a:r>
+            <a:r>
+              <a:rPr/>
+              <a:t>más</a:t>
+            </a:r>
+            <a:r>
+              <a:rPr/>
+              <a:t> </a:t>
+            </a:r>
+            <a:r>
+              <a:rPr/>
+              <a:t>en</a:t>
+            </a:r>
+            <a:r>
+              <a:rPr/>
+              <a:t> </a:t>
+            </a:r>
+            <a:r>
+              <a:rPr/>
+              <a:t>los</a:t>
+            </a:r>
+            <a:r>
+              <a:rPr/>
+              <a:t> </a:t>
+            </a:r>
+            <a:r>
+              <a:rPr/>
+              <a:t>meses</a:t>
+            </a:r>
+            <a:r>
+              <a:rPr/>
+              <a:t> </a:t>
+            </a:r>
+            <a:r>
+              <a:rPr/>
+              <a:t>cálidos</a:t>
+            </a:r>
+            <a:r>
+              <a:rPr/>
+              <a:t> </a:t>
+            </a:r>
+            <a:r>
+              <a:rPr/>
+              <a:t>y</a:t>
+            </a:r>
+            <a:r>
+              <a:rPr/>
+              <a:t> </a:t>
+            </a:r>
+            <a:r>
+              <a:rPr/>
+              <a:t>ahí</a:t>
+            </a:r>
+            <a:r>
+              <a:rPr/>
+              <a:t> </a:t>
+            </a:r>
+            <a:r>
+              <a:rPr/>
+              <a:t>JFM</a:t>
+            </a:r>
+            <a:r>
+              <a:rPr/>
+              <a:t> </a:t>
+            </a:r>
+            <a:r>
+              <a:rPr/>
+              <a:t>tiene</a:t>
+            </a:r>
+            <a:r>
+              <a:rPr/>
+              <a:t> </a:t>
+            </a:r>
+            <a:r>
+              <a:rPr/>
+              <a:t>una</a:t>
+            </a:r>
+            <a:r>
+              <a:rPr/>
+              <a:t> </a:t>
+            </a:r>
+            <a:r>
+              <a:rPr/>
+              <a:t>forma</a:t>
+            </a:r>
+            <a:r>
+              <a:rPr/>
+              <a:t> </a:t>
+            </a:r>
+            <a:r>
+              <a:rPr/>
+              <a:t>más</a:t>
+            </a:r>
+            <a:r>
+              <a:rPr/>
+              <a:t> </a:t>
+            </a:r>
+            <a:r>
+              <a:rPr/>
+              <a:t>consistente.</a:t>
+            </a:r>
+            <a:r>
+              <a:rPr/>
+              <a:t> </a:t>
+            </a:r>
+            <a:r>
+              <a:rPr/>
+              <a:t>Pero</a:t>
+            </a:r>
+            <a:r>
+              <a:rPr/>
+              <a:t> </a:t>
+            </a:r>
+            <a:r>
+              <a:rPr/>
+              <a:t>luego</a:t>
+            </a:r>
+            <a:r>
+              <a:rPr/>
+              <a:t> </a:t>
+            </a:r>
+            <a:r>
+              <a:rPr/>
+              <a:t>en</a:t>
+            </a:r>
+            <a:r>
+              <a:rPr/>
+              <a:t> </a:t>
+            </a:r>
+            <a:r>
+              <a:rPr/>
+              <a:t>MAM</a:t>
+            </a:r>
+            <a:r>
+              <a:rPr/>
+              <a:t> </a:t>
+            </a:r>
+            <a:r>
+              <a:rPr/>
+              <a:t>vs</a:t>
+            </a:r>
+            <a:r>
+              <a:rPr/>
+              <a:t> </a:t>
+            </a:r>
+            <a:r>
+              <a:rPr/>
+              <a:t>AMJ,</a:t>
+            </a:r>
+            <a:r>
+              <a:rPr/>
+              <a:t> </a:t>
+            </a:r>
+            <a:r>
+              <a:rPr/>
+              <a:t>MAM</a:t>
+            </a:r>
+            <a:r>
+              <a:rPr/>
+              <a:t> </a:t>
+            </a:r>
+            <a:r>
+              <a:rPr/>
+              <a:t>muestra</a:t>
+            </a:r>
+            <a:r>
+              <a:rPr/>
+              <a:t> </a:t>
+            </a:r>
+            <a:r>
+              <a:rPr/>
+              <a:t>un</a:t>
+            </a:r>
+            <a:r>
+              <a:rPr/>
+              <a:t> </a:t>
+            </a:r>
+            <a:r>
+              <a:rPr/>
+              <a:t>patrón</a:t>
+            </a:r>
+            <a:r>
+              <a:rPr/>
+              <a:t> </a:t>
+            </a:r>
+            <a:r>
+              <a:rPr/>
+              <a:t>más</a:t>
+            </a:r>
+            <a:r>
+              <a:rPr/>
+              <a:t> </a:t>
+            </a:r>
+            <a:r>
+              <a:rPr/>
+              <a:t>intenso.</a:t>
+            </a:r>
+          </a:p>
+        </p:txBody>
+      </p:sp>
+      <p:sp>
+        <p:nvSpPr>
+          <p:cNvPr id="4" name="Slide Number Placeholder 3"/>
+          <p:cNvSpPr>
+            <a:spLocks noGrp="1"/>
+          </p:cNvSpPr>
+          <p:nvPr>
+            <p:ph type="sldNum" sz="quarter" idx="10"/>
+          </p:nvPr>
+        </p:nvSpPr>
+        <p:spPr/>
+        <p:txBody>
+          <a:bodyPr/>
+          <a:lstStyle/>
+          <a:p>
+            <a:fld id="{18BDFEC3-8487-43E8-A154-7C12CBC1FFF2}" type="slidenum">
+              <a:rPr lang="en-US"/>
               <a:t>5</a:t>
+            </a:fld>
+            <a:endParaRPr lang="en-US"/>
+          </a:p>
+        </p:txBody>
+      </p:sp>
+    </p:spTree>
+  </p:cSld>
+</p:notes>
+</file>
+
+<file path=ppt/notesSlides/notesSlide4.xml><?xml version="1.0" encoding="utf-8"?>
+<p:notes xmlns:a="http://schemas.openxmlformats.org/drawingml/2006/main" xmlns:r="http://schemas.openxmlformats.org/officeDocument/2006/relationships" xmlns:p="http://schemas.openxmlformats.org/presentationml/2006/main">
+  <p:cSld>
+    <p:spTree>
+      <p:nvGrpSpPr>
+        <p:cNvPr id="1" name=""/>
+        <p:cNvGrpSpPr/>
+        <p:nvPr/>
+      </p:nvGrpSpPr>
+      <p:grpSpPr>
+        <a:xfrm>
+          <a:off x="0" y="0"/>
+          <a:ext cx="0" cy="0"/>
+          <a:chOff x="0" y="0"/>
+          <a:chExt cx="0" cy="0"/>
+        </a:xfrm>
+      </p:grpSpPr>
+      <p:sp>
+        <p:nvSpPr>
+          <p:cNvPr id="2" name="Slide Image Placeholder 1"/>
+          <p:cNvSpPr>
+            <a:spLocks noGrp="1" noRot="1" noChangeAspect="1"/>
+          </p:cNvSpPr>
+          <p:nvPr>
+            <p:ph type="sldImg"/>
+          </p:nvPr>
+        </p:nvSpPr>
+        <p:spPr/>
+      </p:sp>
+      <p:sp>
+        <p:nvSpPr>
+          <p:cNvPr id="3" name="Notes Placeholder 2"/>
+          <p:cNvSpPr>
+            <a:spLocks noGrp="1"/>
+          </p:cNvSpPr>
+          <p:nvPr>
+            <p:ph type="body" idx="1"/>
+          </p:nvPr>
+        </p:nvSpPr>
+        <p:spPr/>
+        <p:txBody>
+          <a:bodyPr/>
+          <a:lstStyle/>
+          <a:p>
+            <a:pPr lvl="0" marL="0" indent="0">
+              <a:buNone/>
+            </a:pPr>
+            <a:r>
+              <a:rPr/>
+              <a:t>Las</a:t>
+            </a:r>
+            <a:r>
+              <a:rPr/>
+              <a:t> </a:t>
+            </a:r>
+            <a:r>
+              <a:rPr/>
+              <a:t>diferencias</a:t>
+            </a:r>
+            <a:r>
+              <a:rPr/>
+              <a:t> </a:t>
+            </a:r>
+            <a:r>
+              <a:rPr/>
+              <a:t>en</a:t>
+            </a:r>
+            <a:r>
+              <a:rPr/>
+              <a:t> </a:t>
+            </a:r>
+            <a:r>
+              <a:rPr/>
+              <a:t>el</a:t>
+            </a:r>
+            <a:r>
+              <a:rPr/>
+              <a:t> </a:t>
+            </a:r>
+            <a:r>
+              <a:rPr/>
+              <a:t>primer</a:t>
+            </a:r>
+            <a:r>
+              <a:rPr/>
+              <a:t> </a:t>
+            </a:r>
+            <a:r>
+              <a:rPr/>
+              <a:t>trimestre</a:t>
+            </a:r>
+            <a:r>
+              <a:rPr/>
+              <a:t> </a:t>
+            </a:r>
+            <a:r>
+              <a:rPr/>
+              <a:t>son</a:t>
+            </a:r>
+            <a:r>
+              <a:rPr/>
+              <a:t> </a:t>
+            </a:r>
+            <a:r>
+              <a:rPr/>
+              <a:t>bastante</a:t>
+            </a:r>
+            <a:r>
+              <a:rPr/>
+              <a:t> </a:t>
+            </a:r>
+            <a:r>
+              <a:rPr/>
+              <a:t>fuertes.</a:t>
+            </a:r>
+            <a:r>
+              <a:rPr/>
+              <a:t> </a:t>
+            </a:r>
+            <a:r>
+              <a:rPr/>
+              <a:t>En</a:t>
+            </a:r>
+            <a:r>
+              <a:rPr/>
+              <a:t> </a:t>
+            </a:r>
+            <a:r>
+              <a:rPr/>
+              <a:t>JFM</a:t>
+            </a:r>
+            <a:r>
+              <a:rPr/>
+              <a:t> </a:t>
+            </a:r>
+            <a:r>
+              <a:rPr/>
+              <a:t>aparecen</a:t>
+            </a:r>
+            <a:r>
+              <a:rPr/>
+              <a:t> </a:t>
+            </a:r>
+            <a:r>
+              <a:rPr/>
+              <a:t>intensas</a:t>
+            </a:r>
+            <a:r>
+              <a:rPr/>
+              <a:t> </a:t>
+            </a:r>
+            <a:r>
+              <a:rPr/>
+              <a:t>correlaciones</a:t>
+            </a:r>
+            <a:r>
+              <a:rPr/>
+              <a:t> </a:t>
+            </a:r>
+            <a:r>
+              <a:rPr/>
+              <a:t>negativas</a:t>
+            </a:r>
+            <a:r>
+              <a:rPr/>
+              <a:t> </a:t>
+            </a:r>
+            <a:r>
+              <a:rPr/>
+              <a:t>al</a:t>
+            </a:r>
+            <a:r>
+              <a:rPr/>
+              <a:t> </a:t>
+            </a:r>
+            <a:r>
+              <a:rPr/>
+              <a:t>noroeste</a:t>
+            </a:r>
+            <a:r>
+              <a:rPr/>
+              <a:t> </a:t>
+            </a:r>
+            <a:r>
+              <a:rPr/>
+              <a:t>del</a:t>
+            </a:r>
+            <a:r>
+              <a:rPr/>
+              <a:t> </a:t>
+            </a:r>
+            <a:r>
+              <a:rPr/>
+              <a:t>continente</a:t>
+            </a:r>
+            <a:r>
+              <a:rPr/>
+              <a:t> </a:t>
+            </a:r>
+            <a:r>
+              <a:rPr/>
+              <a:t>que</a:t>
+            </a:r>
+            <a:r>
+              <a:rPr/>
+              <a:t> </a:t>
+            </a:r>
+            <a:r>
+              <a:rPr/>
+              <a:t>no</a:t>
+            </a:r>
+            <a:r>
+              <a:rPr/>
+              <a:t> </a:t>
+            </a:r>
+            <a:r>
+              <a:rPr/>
+              <a:t>están</a:t>
+            </a:r>
+            <a:r>
+              <a:rPr/>
+              <a:t> </a:t>
+            </a:r>
+            <a:r>
+              <a:rPr/>
+              <a:t>en</a:t>
+            </a:r>
+            <a:r>
+              <a:rPr/>
+              <a:t> </a:t>
+            </a:r>
+            <a:r>
+              <a:rPr/>
+              <a:t>DJF.</a:t>
+            </a:r>
+          </a:p>
+        </p:txBody>
+      </p:sp>
+      <p:sp>
+        <p:nvSpPr>
+          <p:cNvPr id="4" name="Slide Number Placeholder 3"/>
+          <p:cNvSpPr>
+            <a:spLocks noGrp="1"/>
+          </p:cNvSpPr>
+          <p:nvPr>
+            <p:ph type="sldNum" sz="quarter" idx="10"/>
+          </p:nvPr>
+        </p:nvSpPr>
+        <p:spPr/>
+        <p:txBody>
+          <a:bodyPr/>
+          <a:lstStyle/>
+          <a:p>
+            <a:fld id="{18BDFEC3-8487-43E8-A154-7C12CBC1FFF2}" type="slidenum">
+              <a:rPr lang="en-US"/>
+              <a:t>6</a:t>
+            </a:fld>
+            <a:endParaRPr lang="en-US"/>
+          </a:p>
+        </p:txBody>
+      </p:sp>
+    </p:spTree>
+  </p:cSld>
+</p:notes>
+</file>
+
+<file path=ppt/notesSlides/notesSlide5.xml><?xml version="1.0" encoding="utf-8"?>
+<p:notes xmlns:a="http://schemas.openxmlformats.org/drawingml/2006/main" xmlns:r="http://schemas.openxmlformats.org/officeDocument/2006/relationships" xmlns:p="http://schemas.openxmlformats.org/presentationml/2006/main">
+  <p:cSld>
+    <p:spTree>
+      <p:nvGrpSpPr>
+        <p:cNvPr id="1" name=""/>
+        <p:cNvGrpSpPr/>
+        <p:nvPr/>
+      </p:nvGrpSpPr>
+      <p:grpSpPr>
+        <a:xfrm>
+          <a:off x="0" y="0"/>
+          <a:ext cx="0" cy="0"/>
+          <a:chOff x="0" y="0"/>
+          <a:chExt cx="0" cy="0"/>
+        </a:xfrm>
+      </p:grpSpPr>
+      <p:sp>
+        <p:nvSpPr>
+          <p:cNvPr id="2" name="Slide Image Placeholder 1"/>
+          <p:cNvSpPr>
+            <a:spLocks noGrp="1" noRot="1" noChangeAspect="1"/>
+          </p:cNvSpPr>
+          <p:nvPr>
+            <p:ph type="sldImg"/>
+          </p:nvPr>
+        </p:nvSpPr>
+        <p:spPr/>
+      </p:sp>
+      <p:sp>
+        <p:nvSpPr>
+          <p:cNvPr id="3" name="Notes Placeholder 2"/>
+          <p:cNvSpPr>
+            <a:spLocks noGrp="1"/>
+          </p:cNvSpPr>
+          <p:nvPr>
+            <p:ph type="body" idx="1"/>
+          </p:nvPr>
+        </p:nvSpPr>
+        <p:spPr/>
+        <p:txBody>
+          <a:bodyPr/>
+          <a:lstStyle/>
+          <a:p>
+            <a:pPr lvl="0" marL="0" indent="0">
+              <a:buNone/>
+            </a:pPr>
+            <a:r>
+              <a:rPr/>
+              <a:t>La</a:t>
+            </a:r>
+            <a:r>
+              <a:rPr/>
+              <a:t> </a:t>
+            </a:r>
+            <a:r>
+              <a:rPr/>
+              <a:t>relación</a:t>
+            </a:r>
+            <a:r>
+              <a:rPr/>
+              <a:t> </a:t>
+            </a:r>
+            <a:r>
+              <a:rPr/>
+              <a:t>en</a:t>
+            </a:r>
+            <a:r>
+              <a:rPr/>
+              <a:t> </a:t>
+            </a:r>
+            <a:r>
+              <a:rPr/>
+              <a:t>verano</a:t>
+            </a:r>
+            <a:r>
+              <a:rPr/>
+              <a:t> </a:t>
+            </a:r>
+            <a:r>
+              <a:rPr/>
+              <a:t>no</a:t>
+            </a:r>
+            <a:r>
+              <a:rPr/>
+              <a:t> </a:t>
+            </a:r>
+            <a:r>
+              <a:rPr/>
+              <a:t>es</a:t>
+            </a:r>
+            <a:r>
+              <a:rPr/>
+              <a:t> </a:t>
+            </a:r>
+            <a:r>
+              <a:rPr/>
+              <a:t>my</a:t>
+            </a:r>
+            <a:r>
+              <a:rPr/>
+              <a:t> </a:t>
+            </a:r>
+            <a:r>
+              <a:rPr/>
+              <a:t>importante.</a:t>
+            </a:r>
+            <a:r>
+              <a:rPr/>
+              <a:t> </a:t>
+            </a:r>
+            <a:r>
+              <a:rPr/>
+              <a:t>Hay</a:t>
+            </a:r>
+            <a:r>
+              <a:rPr/>
+              <a:t> </a:t>
+            </a:r>
+            <a:r>
+              <a:rPr/>
+              <a:t>poco</a:t>
+            </a:r>
+            <a:r>
+              <a:rPr/>
+              <a:t> </a:t>
+            </a:r>
+            <a:r>
+              <a:rPr/>
+              <a:t>hielo</a:t>
+            </a:r>
+            <a:r>
+              <a:rPr/>
+              <a:t> </a:t>
+            </a:r>
+            <a:r>
+              <a:rPr/>
+              <a:t>y</a:t>
+            </a:r>
+            <a:r>
+              <a:rPr/>
+              <a:t> </a:t>
+            </a:r>
+            <a:r>
+              <a:rPr/>
+              <a:t>hay</a:t>
+            </a:r>
+            <a:r>
+              <a:rPr/>
+              <a:t> </a:t>
+            </a:r>
+            <a:r>
+              <a:rPr/>
+              <a:t>más</a:t>
+            </a:r>
+            <a:r>
+              <a:rPr/>
+              <a:t> </a:t>
+            </a:r>
+            <a:r>
+              <a:rPr/>
+              <a:t>ruido</a:t>
+            </a:r>
+            <a:r>
+              <a:rPr/>
+              <a:t> </a:t>
+            </a:r>
+            <a:r>
+              <a:rPr/>
+              <a:t>que</a:t>
+            </a:r>
+            <a:r>
+              <a:rPr/>
+              <a:t> </a:t>
+            </a:r>
+            <a:r>
+              <a:rPr/>
+              <a:t>otra</a:t>
+            </a:r>
+            <a:r>
+              <a:rPr/>
+              <a:t> </a:t>
+            </a:r>
+            <a:r>
+              <a:rPr/>
+              <a:t>cosa,</a:t>
+            </a:r>
+            <a:r>
+              <a:rPr/>
+              <a:t> </a:t>
+            </a:r>
+            <a:r>
+              <a:rPr/>
+              <a:t>me</a:t>
+            </a:r>
+            <a:r>
+              <a:rPr/>
+              <a:t> </a:t>
+            </a:r>
+            <a:r>
+              <a:rPr/>
+              <a:t>parece.</a:t>
+            </a:r>
+            <a:r>
+              <a:rPr/>
+              <a:t> </a:t>
+            </a:r>
+            <a:r>
+              <a:rPr/>
+              <a:t>Acá</a:t>
+            </a:r>
+            <a:r>
+              <a:rPr/>
+              <a:t> </a:t>
+            </a:r>
+            <a:r>
+              <a:rPr/>
+              <a:t>lo</a:t>
+            </a:r>
+            <a:r>
+              <a:rPr/>
+              <a:t> </a:t>
+            </a:r>
+            <a:r>
+              <a:rPr/>
+              <a:t>más</a:t>
+            </a:r>
+            <a:r>
+              <a:rPr/>
+              <a:t> </a:t>
+            </a:r>
+            <a:r>
+              <a:rPr/>
+              <a:t>importante</a:t>
+            </a:r>
+            <a:r>
+              <a:rPr/>
+              <a:t> </a:t>
+            </a:r>
+            <a:r>
+              <a:rPr/>
+              <a:t>es</a:t>
+            </a:r>
+            <a:r>
+              <a:rPr/>
+              <a:t> </a:t>
+            </a:r>
+            <a:r>
+              <a:rPr/>
+              <a:t>invierno</a:t>
+            </a:r>
+            <a:r>
+              <a:rPr/>
+              <a:t> </a:t>
+            </a:r>
+            <a:r>
+              <a:rPr/>
+              <a:t>y</a:t>
+            </a:r>
+            <a:r>
+              <a:rPr/>
+              <a:t> </a:t>
+            </a:r>
+            <a:r>
+              <a:rPr/>
+              <a:t>primavera</a:t>
+            </a:r>
+            <a:r>
+              <a:rPr/>
+              <a:t> </a:t>
+            </a:r>
+            <a:r>
+              <a:rPr/>
+              <a:t>y</a:t>
+            </a:r>
+            <a:r>
+              <a:rPr/>
+              <a:t> </a:t>
+            </a:r>
+            <a:r>
+              <a:rPr/>
+              <a:t>ambos</a:t>
+            </a:r>
+            <a:r>
+              <a:rPr/>
+              <a:t> </a:t>
+            </a:r>
+            <a:r>
+              <a:rPr/>
+              <a:t>son</a:t>
+            </a:r>
+            <a:r>
+              <a:rPr/>
+              <a:t> </a:t>
+            </a:r>
+            <a:r>
+              <a:rPr/>
+              <a:t>parecidos,</a:t>
+            </a:r>
+            <a:r>
+              <a:rPr/>
+              <a:t> </a:t>
+            </a:r>
+            <a:r>
+              <a:rPr/>
+              <a:t>aunque</a:t>
+            </a:r>
+            <a:r>
+              <a:rPr/>
+              <a:t> </a:t>
+            </a:r>
+            <a:r>
+              <a:rPr/>
+              <a:t>con</a:t>
+            </a:r>
+            <a:r>
+              <a:rPr/>
+              <a:t> </a:t>
+            </a:r>
+            <a:r>
+              <a:rPr/>
+              <a:t>un</a:t>
+            </a:r>
+            <a:r>
+              <a:rPr/>
+              <a:t> </a:t>
+            </a:r>
+            <a:r>
+              <a:rPr/>
+              <a:t>poco</a:t>
+            </a:r>
+            <a:r>
+              <a:rPr/>
+              <a:t> </a:t>
+            </a:r>
+            <a:r>
+              <a:rPr/>
+              <a:t>más</a:t>
+            </a:r>
+            <a:r>
+              <a:rPr/>
+              <a:t> </a:t>
+            </a:r>
+            <a:r>
+              <a:rPr/>
+              <a:t>de</a:t>
+            </a:r>
+            <a:r>
+              <a:rPr/>
+              <a:t> </a:t>
+            </a:r>
+            <a:r>
+              <a:rPr/>
+              <a:t>intensidad</a:t>
+            </a:r>
+            <a:r>
+              <a:rPr/>
+              <a:t> </a:t>
+            </a:r>
+            <a:r>
+              <a:rPr/>
+              <a:t>en</a:t>
+            </a:r>
+            <a:r>
+              <a:rPr/>
+              <a:t> </a:t>
+            </a:r>
+            <a:r>
+              <a:rPr/>
+              <a:t>JJA</a:t>
+            </a:r>
+            <a:r>
+              <a:rPr/>
+              <a:t> </a:t>
+            </a:r>
+            <a:r>
+              <a:rPr/>
+              <a:t>vs</a:t>
+            </a:r>
+            <a:r>
+              <a:rPr/>
+              <a:t> </a:t>
+            </a:r>
+            <a:r>
+              <a:rPr/>
+              <a:t>JAS.</a:t>
+            </a:r>
+          </a:p>
+        </p:txBody>
+      </p:sp>
+      <p:sp>
+        <p:nvSpPr>
+          <p:cNvPr id="4" name="Slide Number Placeholder 3"/>
+          <p:cNvSpPr>
+            <a:spLocks noGrp="1"/>
+          </p:cNvSpPr>
+          <p:nvPr>
+            <p:ph type="sldNum" sz="quarter" idx="10"/>
+          </p:nvPr>
+        </p:nvSpPr>
+        <p:spPr/>
+        <p:txBody>
+          <a:bodyPr/>
+          <a:lstStyle/>
+          <a:p>
+            <a:fld id="{18BDFEC3-8487-43E8-A154-7C12CBC1FFF2}" type="slidenum">
+              <a:rPr lang="en-US"/>
+              <a:t>7</a:t>
             </a:fld>
             <a:endParaRPr lang="en-US"/>
           </a:p>
@@ -5155,7 +6171,7 @@
       </p:grpSpPr>
       <p:pic>
         <p:nvPicPr>
-          <p:cNvPr descr="05-regressiones_files/figure-pptx/unnamed-chunk-3-1.png" id="0" name="Picture 1"/>
+          <p:cNvPr descr="05-regressiones_files/figure-pptx/gh-regr-1.png" id="0" name="Picture 1"/>
           <p:cNvPicPr>
             <a:picLocks noGrp="1" noChangeAspect="1"/>
           </p:cNvPicPr>
@@ -5250,22 +6266,22 @@
       </p:grpSpPr>
       <p:pic>
         <p:nvPicPr>
-          <p:cNvPr descr="05-regressiones_files/figure-pptx/unnamed-chunk-4-1.png" id="0" name="Picture 1"/>
+          <p:cNvPr descr="05-regressiones_files/figure-pptx/sst-regr-1.png" id="0" name="Picture 1"/>
           <p:cNvPicPr>
             <a:picLocks noGrp="1" noChangeAspect="1"/>
           </p:cNvPicPr>
           <p:nvPr/>
         </p:nvPicPr>
         <p:blipFill>
-          <a:blip r:embed="rId2"/>
+          <a:blip r:embed="rId3"/>
           <a:stretch>
             <a:fillRect/>
           </a:stretch>
         </p:blipFill>
         <p:spPr bwMode="auto">
           <a:xfrm>
-            <a:off x="190500" y="1155700"/>
-            <a:ext cx="11671300" cy="5308600"/>
+            <a:off x="279400" y="939800"/>
+            <a:ext cx="11480800" cy="5219700"/>
           </a:xfrm>
           <a:prstGeom prst="rect">
             <a:avLst/>
@@ -5278,6 +6294,60 @@
           </a:ln>
         </p:spPr>
       </p:pic>
+      <p:sp>
+        <p:nvSpPr>
+          <p:cNvPr id="1" name="TextBox 3"/>
+          <p:cNvSpPr txBox="1"/>
+          <p:nvPr/>
+        </p:nvSpPr>
+        <p:spPr>
+          <a:xfrm>
+            <a:off x="190500" y="6159500"/>
+            <a:ext cx="11671300" cy="508000"/>
+          </a:xfrm>
+          <a:prstGeom prst="rect">
+            <a:avLst/>
+          </a:prstGeom>
+          <a:noFill/>
+        </p:spPr>
+        <p:txBody>
+          <a:bodyPr/>
+          <a:lstStyle/>
+          <a:p>
+            <a:pPr lvl="0" marL="0" indent="0" algn="ctr">
+              <a:buNone/>
+            </a:pPr>
+            <a:r>
+              <a:rPr/>
+              <a:t>Regresión</a:t>
+            </a:r>
+            <a:r>
+              <a:rPr/>
+              <a:t> </a:t>
+            </a:r>
+            <a:r>
+              <a:rPr/>
+              <a:t>con</a:t>
+            </a:r>
+            <a:r>
+              <a:rPr/>
+              <a:t> </a:t>
+            </a:r>
+            <a:r>
+              <a:rPr/>
+              <a:t>altura</a:t>
+            </a:r>
+            <a:r>
+              <a:rPr/>
+              <a:t> </a:t>
+            </a:r>
+            <a:r>
+              <a:rPr/>
+              <a:t>geopotencial</a:t>
+            </a:r>
+          </a:p>
+        </p:txBody>
+      </p:sp>
     </p:spTree>
   </p:cSld>
 </p:sld>
@@ -5300,24 +6370,315 @@
           <a:chExt cx="0" cy="0"/>
         </a:xfrm>
       </p:grpSpPr>
-      <p:sp>
-        <p:nvSpPr>
-          <p:cNvPr id="3" name="Content Placeholder 2"/>
-          <p:cNvSpPr>
-            <a:spLocks noGrp="1" noChangeArrowheads="1"/>
-          </p:cNvSpPr>
-          <p:nvPr>
-            <p:ph idx="1"/>
-          </p:nvPr>
-        </p:nvSpPr>
-        <p:spPr/>
+      <p:pic>
+        <p:nvPicPr>
+          <p:cNvPr descr="05-regressiones_files/figure-pptx/pp-regr-1.png" id="0" name="Picture 1"/>
+          <p:cNvPicPr>
+            <a:picLocks noGrp="1" noChangeAspect="1"/>
+          </p:cNvPicPr>
+          <p:nvPr/>
+        </p:nvPicPr>
+        <p:blipFill>
+          <a:blip r:embed="rId3"/>
+          <a:stretch>
+            <a:fillRect/>
+          </a:stretch>
+        </p:blipFill>
+        <p:spPr bwMode="auto">
+          <a:xfrm>
+            <a:off x="279400" y="939800"/>
+            <a:ext cx="11480800" cy="5219700"/>
+          </a:xfrm>
+          <a:prstGeom prst="rect">
+            <a:avLst/>
+          </a:prstGeom>
+          <a:noFill/>
+          <a:ln w="9525">
+            <a:noFill/>
+            <a:headEnd/>
+            <a:tailEnd/>
+          </a:ln>
+        </p:spPr>
+      </p:pic>
+      <p:sp>
+        <p:nvSpPr>
+          <p:cNvPr id="1" name="TextBox 3"/>
+          <p:cNvSpPr txBox="1"/>
+          <p:nvPr/>
+        </p:nvSpPr>
+        <p:spPr>
+          <a:xfrm>
+            <a:off x="190500" y="6159500"/>
+            <a:ext cx="11671300" cy="508000"/>
+          </a:xfrm>
+          <a:prstGeom prst="rect">
+            <a:avLst/>
+          </a:prstGeom>
+          <a:noFill/>
+        </p:spPr>
         <p:txBody>
           <a:bodyPr/>
           <a:lstStyle/>
           <a:p>
-            <a:pPr lvl="0" marL="0" indent="0">
-              <a:buNone/>
-            </a:pPr>
+            <a:pPr lvl="0" marL="0" indent="0" algn="ctr">
+              <a:buNone/>
+            </a:pPr>
+            <a:r>
+              <a:rPr/>
+              <a:t>Regresión</a:t>
+            </a:r>
+            <a:r>
+              <a:rPr/>
+              <a:t> </a:t>
+            </a:r>
+            <a:r>
+              <a:rPr/>
+              <a:t>con</a:t>
+            </a:r>
+            <a:r>
+              <a:rPr/>
+              <a:t> </a:t>
+            </a:r>
+            <a:r>
+              <a:rPr/>
+              <a:t>precipitación</a:t>
+            </a:r>
+          </a:p>
+        </p:txBody>
+      </p:sp>
+    </p:spTree>
+  </p:cSld>
+</p:sld>
+</file>
+
+<file path=ppt/slides/slide6.xml><?xml version="1.0" encoding="utf-8"?>
+<p:sld xmlns:a="http://schemas.openxmlformats.org/drawingml/2006/main" xmlns:r="http://schemas.openxmlformats.org/officeDocument/2006/relationships" xmlns:p="http://schemas.openxmlformats.org/presentationml/2006/main">
+  <p:cSld>
+    <p:spTree>
+      <p:nvGrpSpPr>
+        <p:cNvPr id="1" name=""/>
+        <p:cNvGrpSpPr/>
+        <p:nvPr/>
+      </p:nvGrpSpPr>
+      <p:grpSpPr>
+        <a:xfrm>
+          <a:off x="0" y="0"/>
+          <a:ext cx="0" cy="0"/>
+          <a:chOff x="0" y="0"/>
+          <a:chExt cx="0" cy="0"/>
+        </a:xfrm>
+      </p:grpSpPr>
+      <p:pic>
+        <p:nvPicPr>
+          <p:cNvPr descr="05-regressiones_files/figure-pptx/t2-regr-1.png" id="0" name="Picture 1"/>
+          <p:cNvPicPr>
+            <a:picLocks noGrp="1" noChangeAspect="1"/>
+          </p:cNvPicPr>
+          <p:nvPr/>
+        </p:nvPicPr>
+        <p:blipFill>
+          <a:blip r:embed="rId3"/>
+          <a:stretch>
+            <a:fillRect/>
+          </a:stretch>
+        </p:blipFill>
+        <p:spPr bwMode="auto">
+          <a:xfrm>
+            <a:off x="279400" y="939800"/>
+            <a:ext cx="11480800" cy="5219700"/>
+          </a:xfrm>
+          <a:prstGeom prst="rect">
+            <a:avLst/>
+          </a:prstGeom>
+          <a:noFill/>
+          <a:ln w="9525">
+            <a:noFill/>
+            <a:headEnd/>
+            <a:tailEnd/>
+          </a:ln>
+        </p:spPr>
+      </p:pic>
+      <p:sp>
+        <p:nvSpPr>
+          <p:cNvPr id="1" name="TextBox 3"/>
+          <p:cNvSpPr txBox="1"/>
+          <p:nvPr/>
+        </p:nvSpPr>
+        <p:spPr>
+          <a:xfrm>
+            <a:off x="190500" y="6159500"/>
+            <a:ext cx="11671300" cy="508000"/>
+          </a:xfrm>
+          <a:prstGeom prst="rect">
+            <a:avLst/>
+          </a:prstGeom>
+          <a:noFill/>
+        </p:spPr>
+        <p:txBody>
+          <a:bodyPr/>
+          <a:lstStyle/>
+          <a:p>
+            <a:pPr lvl="0" marL="0" indent="0" algn="ctr">
+              <a:buNone/>
+            </a:pPr>
+            <a:r>
+              <a:rPr/>
+              <a:t>Regresión</a:t>
+            </a:r>
+            <a:r>
+              <a:rPr/>
+              <a:t> </a:t>
+            </a:r>
+            <a:r>
+              <a:rPr/>
+              <a:t>con</a:t>
+            </a:r>
+            <a:r>
+              <a:rPr/>
+              <a:t> </a:t>
+            </a:r>
+            <a:r>
+              <a:rPr/>
+              <a:t>temperatura</a:t>
+            </a:r>
+            <a:r>
+              <a:rPr/>
+              <a:t> </a:t>
+            </a:r>
+            <a:r>
+              <a:rPr/>
+              <a:t>a</a:t>
+            </a:r>
+            <a:r>
+              <a:rPr/>
+              <a:t> </a:t>
+            </a:r>
+            <a:r>
+              <a:rPr/>
+              <a:t>2m.</a:t>
+            </a:r>
+          </a:p>
+        </p:txBody>
+      </p:sp>
+    </p:spTree>
+  </p:cSld>
+</p:sld>
+</file>
+
+<file path=ppt/slides/slide7.xml><?xml version="1.0" encoding="utf-8"?>
+<p:sld xmlns:a="http://schemas.openxmlformats.org/drawingml/2006/main" xmlns:r="http://schemas.openxmlformats.org/officeDocument/2006/relationships" xmlns:p="http://schemas.openxmlformats.org/presentationml/2006/main">
+  <p:cSld>
+    <p:spTree>
+      <p:nvGrpSpPr>
+        <p:cNvPr id="1" name=""/>
+        <p:cNvGrpSpPr/>
+        <p:nvPr/>
+      </p:nvGrpSpPr>
+      <p:grpSpPr>
+        <a:xfrm>
+          <a:off x="0" y="0"/>
+          <a:ext cx="0" cy="0"/>
+          <a:chOff x="0" y="0"/>
+          <a:chExt cx="0" cy="0"/>
+        </a:xfrm>
+      </p:grpSpPr>
+      <p:pic>
+        <p:nvPicPr>
+          <p:cNvPr descr="05-regressiones_files/figure-pptx/ice-regr-1.png" id="0" name="Picture 1"/>
+          <p:cNvPicPr>
+            <a:picLocks noGrp="1" noChangeAspect="1"/>
+          </p:cNvPicPr>
+          <p:nvPr/>
+        </p:nvPicPr>
+        <p:blipFill>
+          <a:blip r:embed="rId3"/>
+          <a:stretch>
+            <a:fillRect/>
+          </a:stretch>
+        </p:blipFill>
+        <p:spPr bwMode="auto">
+          <a:xfrm>
+            <a:off x="279400" y="939800"/>
+            <a:ext cx="11480800" cy="5219700"/>
+          </a:xfrm>
+          <a:prstGeom prst="rect">
+            <a:avLst/>
+          </a:prstGeom>
+          <a:noFill/>
+          <a:ln w="9525">
+            <a:noFill/>
+            <a:headEnd/>
+            <a:tailEnd/>
+          </a:ln>
+        </p:spPr>
+      </p:pic>
+      <p:sp>
+        <p:nvSpPr>
+          <p:cNvPr id="1" name="TextBox 3"/>
+          <p:cNvSpPr txBox="1"/>
+          <p:nvPr/>
+        </p:nvSpPr>
+        <p:spPr>
+          <a:xfrm>
+            <a:off x="190500" y="6159500"/>
+            <a:ext cx="11671300" cy="508000"/>
+          </a:xfrm>
+          <a:prstGeom prst="rect">
+            <a:avLst/>
+          </a:prstGeom>
+          <a:noFill/>
+        </p:spPr>
+        <p:txBody>
+          <a:bodyPr/>
+          <a:lstStyle/>
+          <a:p>
+            <a:pPr lvl="0" marL="0" indent="0" algn="ctr">
+              <a:buNone/>
+            </a:pPr>
+            <a:r>
+              <a:rPr/>
+              <a:t>Regresión</a:t>
+            </a:r>
+            <a:r>
+              <a:rPr/>
+              <a:t> </a:t>
+            </a:r>
+            <a:r>
+              <a:rPr/>
+              <a:t>con</a:t>
+            </a:r>
+            <a:r>
+              <a:rPr/>
+              <a:t> </a:t>
+            </a:r>
+            <a:r>
+              <a:rPr/>
+              <a:t>concentración</a:t>
+            </a:r>
+            <a:r>
+              <a:rPr/>
+              <a:t> </a:t>
+            </a:r>
+            <a:r>
+              <a:rPr/>
+              <a:t>de</a:t>
+            </a:r>
+            <a:r>
+              <a:rPr/>
+              <a:t> </a:t>
+            </a:r>
+            <a:r>
+              <a:rPr/>
+              <a:t>hielo</a:t>
+            </a:r>
+            <a:r>
+              <a:rPr/>
+              <a:t> </a:t>
+            </a:r>
+            <a:r>
+              <a:rPr/>
+              <a:t>marino.</a:t>
+            </a:r>
           </a:p>
         </p:txBody>
       </p:sp>
